--- a/iOS行動程式基礎開發上架課程大綱.pptx
+++ b/iOS行動程式基礎開發上架課程大綱.pptx
@@ -32676,7 +32676,7 @@
                 <a:cs typeface="微軟正黑體"/>
                 <a:sym typeface="微軟正黑體"/>
               </a:rPr>
-              <a:t>第一堂：使用swift建立第一個App</a:t>
+              <a:t>第七堂使用swift建立第一個App</a:t>
             </a:r>
             <a:endParaRPr>
               <a:latin typeface="微軟正黑體"/>
@@ -32699,7 +32699,7 @@
                 <a:cs typeface="微軟正黑體"/>
                 <a:sym typeface="微軟正黑體"/>
               </a:rPr>
-              <a:t>第二堂：AutoLayout</a:t>
+              <a:t>第八堂課AutoLayoutt</a:t>
             </a:r>
           </a:p>
           <a:p>
@@ -32716,7 +32716,7 @@
                 <a:cs typeface="微軟正黑體"/>
                 <a:sym typeface="微軟正黑體"/>
               </a:rPr>
-              <a:t>第三堂：使用Stack Views設計UI</a:t>
+              <a:t>第九堂課使用Stack Views設計UI</a:t>
             </a:r>
           </a:p>
           <a:p>
@@ -32733,7 +32733,7 @@
                 <a:cs typeface="微軟正黑體"/>
                 <a:sym typeface="微軟正黑體"/>
               </a:rPr>
-              <a:t>第四堂：建立以表格為基礎的App</a:t>
+              <a:t>第十堂課建立以表格為基礎的App</a:t>
             </a:r>
             <a:endParaRPr>
               <a:latin typeface="微軟正黑體"/>
@@ -32756,7 +32756,7 @@
                 <a:cs typeface="微軟正黑體"/>
                 <a:sym typeface="微軟正黑體"/>
               </a:rPr>
-              <a:t>第五堂：使用原型儲存格建立自訂的TableView</a:t>
+              <a:t>第十一堂課使用原型儲存格建立自訂的TableView</a:t>
             </a:r>
           </a:p>
           <a:p>
@@ -32773,7 +32773,7 @@
                 <a:cs typeface="微軟正黑體"/>
                 <a:sym typeface="微軟正黑體"/>
               </a:rPr>
-              <a:t>第六堂：用UIAlertController和使用者互動</a:t>
+              <a:t>第十二堂課使用swift的初始化</a:t>
             </a:r>
             <a:endParaRPr>
               <a:latin typeface="微軟正黑體"/>
@@ -32796,7 +32796,7 @@
                 <a:cs typeface="微軟正黑體"/>
                 <a:sym typeface="微軟正黑體"/>
               </a:rPr>
-              <a:t>第七堂：儲存格的刪除和自訂功能按鈕</a:t>
+              <a:t>第十三堂課使用UIAlertController和使用者互動</a:t>
             </a:r>
           </a:p>
         </p:txBody>
@@ -33003,7 +33003,7 @@
                 <a:cs typeface="微軟正黑體"/>
                 <a:sym typeface="微軟正黑體"/>
               </a:rPr>
-              <a:t>第八堂：使用導覽控制</a:t>
+              <a:t>第十四堂課儲存格的刪除和自訂功能按鈕</a:t>
             </a:r>
             <a:endParaRPr>
               <a:latin typeface="微軟正黑體"/>
@@ -33026,7 +33026,7 @@
                 <a:cs typeface="微軟正黑體"/>
                 <a:sym typeface="微軟正黑體"/>
               </a:rPr>
-              <a:t>第九堂：自訂細節頁面</a:t>
+              <a:t>第十五堂使用導覽控制</a:t>
             </a:r>
           </a:p>
           <a:p>
@@ -33043,7 +33043,7 @@
                 <a:cs typeface="微軟正黑體"/>
                 <a:sym typeface="微軟正黑體"/>
               </a:rPr>
-              <a:t>第十堂：自動調整高度的儲存格</a:t>
+              <a:t>第十六堂課自訂細節頁面</a:t>
             </a:r>
             <a:endParaRPr>
               <a:latin typeface="微軟正黑體"/>
@@ -33066,7 +33066,7 @@
                 <a:cs typeface="微軟正黑體"/>
                 <a:sym typeface="微軟正黑體"/>
               </a:rPr>
-              <a:t>第十一堂：使用地圖</a:t>
+              <a:t>第十七堂課自動調整高度的儲存格</a:t>
             </a:r>
             <a:endParaRPr>
               <a:latin typeface="微軟正黑體"/>
@@ -33089,7 +33089,7 @@
                 <a:cs typeface="微軟正黑體"/>
                 <a:sym typeface="微軟正黑體"/>
               </a:rPr>
-              <a:t>第十二堂：展示圖片控制項</a:t>
+              <a:t>第十八堂課基本動畫</a:t>
             </a:r>
           </a:p>
           <a:p>
@@ -33106,7 +33106,7 @@
                 <a:cs typeface="微軟正黑體"/>
                 <a:sym typeface="微軟正黑體"/>
               </a:rPr>
-              <a:t>第十三堂：使用CoreData</a:t>
+              <a:t>第十九堂專案練習</a:t>
             </a:r>
             <a:endParaRPr>
               <a:latin typeface="微軟正黑體"/>
@@ -33129,7 +33129,7 @@
                 <a:cs typeface="微軟正黑體"/>
                 <a:sym typeface="微軟正黑體"/>
               </a:rPr>
-              <a:t>第十四堂：搜尋控制項</a:t>
+              <a:t>第二十堂課使用UICollectionViewControoler</a:t>
             </a:r>
           </a:p>
         </p:txBody>
@@ -33336,7 +33336,7 @@
                 <a:cs typeface="微軟正黑體"/>
                 <a:sym typeface="微軟正黑體"/>
               </a:rPr>
-              <a:t>第十五堂：TabBarController</a:t>
+              <a:t>第二十一堂課使用地圖</a:t>
             </a:r>
             <a:endParaRPr>
               <a:latin typeface="微軟正黑體"/>
@@ -33359,7 +33359,7 @@
                 <a:cs typeface="微軟正黑體"/>
                 <a:sym typeface="微軟正黑體"/>
               </a:rPr>
-              <a:t>第十六堂：內建瀏覽器</a:t>
+              <a:t>第二十二堂課使用Sqlite_建立資料庫</a:t>
             </a:r>
           </a:p>
           <a:p>
@@ -33376,7 +33376,7 @@
                 <a:cs typeface="微軟正黑體"/>
                 <a:sym typeface="微軟正黑體"/>
               </a:rPr>
-              <a:t>第十七堂：自多國語言</a:t>
+              <a:t>第二十三堂課專案練習</a:t>
             </a:r>
             <a:endParaRPr>
               <a:latin typeface="微軟正黑體"/>
@@ -33399,7 +33399,7 @@
                 <a:cs typeface="微軟正黑體"/>
                 <a:sym typeface="微軟正黑體"/>
               </a:rPr>
-              <a:t>第十八堂：使用實機測試</a:t>
+              <a:t>第二十四堂課使用sqlite_讀取和搜尋資料</a:t>
             </a:r>
             <a:endParaRPr>
               <a:latin typeface="微軟正黑體"/>
@@ -33422,7 +33422,7 @@
                 <a:cs typeface="微軟正黑體"/>
                 <a:sym typeface="微軟正黑體"/>
               </a:rPr>
-              <a:t>第十九堂：上架說明1</a:t>
+              <a:t>第二十五堂課TabBarController和WebPage</a:t>
             </a:r>
           </a:p>
           <a:p>
@@ -33439,7 +33439,7 @@
                 <a:cs typeface="微軟正黑體"/>
                 <a:sym typeface="微軟正黑體"/>
               </a:rPr>
-              <a:t>第二十堂：上架說明2</a:t>
+              <a:t>第二十六堂課上架說明</a:t>
             </a:r>
           </a:p>
         </p:txBody>
